--- a/instructions/instructions_training.pptx
+++ b/instructions/instructions_training.pptx
@@ -277,7 +277,7 @@
           <a:p>
             <a:fld id="{EECEF7B1-0EC4-480B-8296-E359CC2E77EE}" type="datetimeFigureOut">
               <a:rPr lang="he-IL" smtClean="0"/>
-              <a:t>ב'/טבת/תשפ"ב</a:t>
+              <a:t>כ"ג/טבת/תשפ"ב</a:t>
             </a:fld>
             <a:endParaRPr lang="he-IL"/>
           </a:p>
@@ -477,7 +477,7 @@
           <a:p>
             <a:fld id="{EECEF7B1-0EC4-480B-8296-E359CC2E77EE}" type="datetimeFigureOut">
               <a:rPr lang="he-IL" smtClean="0"/>
-              <a:t>ב'/טבת/תשפ"ב</a:t>
+              <a:t>כ"ג/טבת/תשפ"ב</a:t>
             </a:fld>
             <a:endParaRPr lang="he-IL"/>
           </a:p>
@@ -687,7 +687,7 @@
           <a:p>
             <a:fld id="{EECEF7B1-0EC4-480B-8296-E359CC2E77EE}" type="datetimeFigureOut">
               <a:rPr lang="he-IL" smtClean="0"/>
-              <a:t>ב'/טבת/תשפ"ב</a:t>
+              <a:t>כ"ג/טבת/תשפ"ב</a:t>
             </a:fld>
             <a:endParaRPr lang="he-IL"/>
           </a:p>
@@ -887,7 +887,7 @@
           <a:p>
             <a:fld id="{EECEF7B1-0EC4-480B-8296-E359CC2E77EE}" type="datetimeFigureOut">
               <a:rPr lang="he-IL" smtClean="0"/>
-              <a:t>ב'/טבת/תשפ"ב</a:t>
+              <a:t>כ"ג/טבת/תשפ"ב</a:t>
             </a:fld>
             <a:endParaRPr lang="he-IL"/>
           </a:p>
@@ -1163,7 +1163,7 @@
           <a:p>
             <a:fld id="{EECEF7B1-0EC4-480B-8296-E359CC2E77EE}" type="datetimeFigureOut">
               <a:rPr lang="he-IL" smtClean="0"/>
-              <a:t>ב'/טבת/תשפ"ב</a:t>
+              <a:t>כ"ג/טבת/תשפ"ב</a:t>
             </a:fld>
             <a:endParaRPr lang="he-IL"/>
           </a:p>
@@ -1431,7 +1431,7 @@
           <a:p>
             <a:fld id="{EECEF7B1-0EC4-480B-8296-E359CC2E77EE}" type="datetimeFigureOut">
               <a:rPr lang="he-IL" smtClean="0"/>
-              <a:t>ב'/טבת/תשפ"ב</a:t>
+              <a:t>כ"ג/טבת/תשפ"ב</a:t>
             </a:fld>
             <a:endParaRPr lang="he-IL"/>
           </a:p>
@@ -1846,7 +1846,7 @@
           <a:p>
             <a:fld id="{EECEF7B1-0EC4-480B-8296-E359CC2E77EE}" type="datetimeFigureOut">
               <a:rPr lang="he-IL" smtClean="0"/>
-              <a:t>ב'/טבת/תשפ"ב</a:t>
+              <a:t>כ"ג/טבת/תשפ"ב</a:t>
             </a:fld>
             <a:endParaRPr lang="he-IL"/>
           </a:p>
@@ -1988,7 +1988,7 @@
           <a:p>
             <a:fld id="{EECEF7B1-0EC4-480B-8296-E359CC2E77EE}" type="datetimeFigureOut">
               <a:rPr lang="he-IL" smtClean="0"/>
-              <a:t>ב'/טבת/תשפ"ב</a:t>
+              <a:t>כ"ג/טבת/תשפ"ב</a:t>
             </a:fld>
             <a:endParaRPr lang="he-IL"/>
           </a:p>
@@ -2101,7 +2101,7 @@
           <a:p>
             <a:fld id="{EECEF7B1-0EC4-480B-8296-E359CC2E77EE}" type="datetimeFigureOut">
               <a:rPr lang="he-IL" smtClean="0"/>
-              <a:t>ב'/טבת/תשפ"ב</a:t>
+              <a:t>כ"ג/טבת/תשפ"ב</a:t>
             </a:fld>
             <a:endParaRPr lang="he-IL"/>
           </a:p>
@@ -2414,7 +2414,7 @@
           <a:p>
             <a:fld id="{EECEF7B1-0EC4-480B-8296-E359CC2E77EE}" type="datetimeFigureOut">
               <a:rPr lang="he-IL" smtClean="0"/>
-              <a:t>ב'/טבת/תשפ"ב</a:t>
+              <a:t>כ"ג/טבת/תשפ"ב</a:t>
             </a:fld>
             <a:endParaRPr lang="he-IL"/>
           </a:p>
@@ -2703,7 +2703,7 @@
           <a:p>
             <a:fld id="{EECEF7B1-0EC4-480B-8296-E359CC2E77EE}" type="datetimeFigureOut">
               <a:rPr lang="he-IL" smtClean="0"/>
-              <a:t>ב'/טבת/תשפ"ב</a:t>
+              <a:t>כ"ג/טבת/תשפ"ב</a:t>
             </a:fld>
             <a:endParaRPr lang="he-IL"/>
           </a:p>
@@ -2946,7 +2946,7 @@
           <a:p>
             <a:fld id="{EECEF7B1-0EC4-480B-8296-E359CC2E77EE}" type="datetimeFigureOut">
               <a:rPr lang="he-IL" smtClean="0"/>
-              <a:t>ב'/טבת/תשפ"ב</a:t>
+              <a:t>כ"ג/טבת/תשפ"ב</a:t>
             </a:fld>
             <a:endParaRPr lang="he-IL"/>
           </a:p>
@@ -3717,11 +3717,11 @@
             <a:pPr algn="r" rtl="1"/>
             <a:r>
               <a:rPr lang="he-IL" dirty="0"/>
-              <a:t>במטלה זו, עליכם לשחק את התפקיד של מנהל/ת חברה קטנה. החברה מייצרת </a:t>
+              <a:t>במטלה זו, עליכם לשחק את התפקיד של מנהל/ת חברה קטנה. החברה סוחרת ב</a:t>
             </a:r>
             <a:r>
               <a:rPr lang="he-IL" b="1" dirty="0"/>
-              <a:t>ירקות ובגדים ומנסה למכור אותם בשוק</a:t>
+              <a:t>פירות ובגדים ומנסה למכור אותם בשוק</a:t>
             </a:r>
             <a:r>
               <a:rPr lang="he-IL" dirty="0"/>
@@ -3740,7 +3740,7 @@
             </a:r>
             <a:r>
               <a:rPr lang="he-IL" b="1" dirty="0"/>
-              <a:t>כל נציג מנסה למכור בגד וירק מסוימים</a:t>
+              <a:t>כל נציג מנסה למכור בגד ופרי מסוימים</a:t>
             </a:r>
             <a:r>
               <a:rPr lang="he-IL" dirty="0"/>
